--- a/Project/CurrencyPrediction/Result/Result_Plot.pptx
+++ b/Project/CurrencyPrediction/Result/Result_Plot.pptx
@@ -109,6 +109,11 @@
       </a:defRPr>
     </a:lvl9pPr>
   </p:defaultTextStyle>
+  <p:extLst>
+    <p:ext uri="{EFAFB233-063F-42B5-8137-9DF3F51BA10A}">
+      <p15:sldGuideLst xmlns:p15="http://schemas.microsoft.com/office/powerpoint/2012/main"/>
+    </p:ext>
+  </p:extLst>
 </p:presentation>
 </file>
 
@@ -259,7 +264,7 @@
           <a:p>
             <a:fld id="{A3BF353C-3DD2-44DF-A8C3-FEAEBCE71137}" type="datetimeFigureOut">
               <a:rPr lang="ko-KR" altLang="en-US" smtClean="0"/>
-              <a:t>2025-11-03</a:t>
+              <a:t>2026-02-03</a:t>
             </a:fld>
             <a:endParaRPr lang="ko-KR" altLang="en-US"/>
           </a:p>
@@ -457,7 +462,7 @@
           <a:p>
             <a:fld id="{A3BF353C-3DD2-44DF-A8C3-FEAEBCE71137}" type="datetimeFigureOut">
               <a:rPr lang="ko-KR" altLang="en-US" smtClean="0"/>
-              <a:t>2025-11-03</a:t>
+              <a:t>2026-02-03</a:t>
             </a:fld>
             <a:endParaRPr lang="ko-KR" altLang="en-US"/>
           </a:p>
@@ -665,7 +670,7 @@
           <a:p>
             <a:fld id="{A3BF353C-3DD2-44DF-A8C3-FEAEBCE71137}" type="datetimeFigureOut">
               <a:rPr lang="ko-KR" altLang="en-US" smtClean="0"/>
-              <a:t>2025-11-03</a:t>
+              <a:t>2026-02-03</a:t>
             </a:fld>
             <a:endParaRPr lang="ko-KR" altLang="en-US"/>
           </a:p>
@@ -863,7 +868,7 @@
           <a:p>
             <a:fld id="{A3BF353C-3DD2-44DF-A8C3-FEAEBCE71137}" type="datetimeFigureOut">
               <a:rPr lang="ko-KR" altLang="en-US" smtClean="0"/>
-              <a:t>2025-11-03</a:t>
+              <a:t>2026-02-03</a:t>
             </a:fld>
             <a:endParaRPr lang="ko-KR" altLang="en-US"/>
           </a:p>
@@ -1138,7 +1143,7 @@
           <a:p>
             <a:fld id="{A3BF353C-3DD2-44DF-A8C3-FEAEBCE71137}" type="datetimeFigureOut">
               <a:rPr lang="ko-KR" altLang="en-US" smtClean="0"/>
-              <a:t>2025-11-03</a:t>
+              <a:t>2026-02-03</a:t>
             </a:fld>
             <a:endParaRPr lang="ko-KR" altLang="en-US"/>
           </a:p>
@@ -1403,7 +1408,7 @@
           <a:p>
             <a:fld id="{A3BF353C-3DD2-44DF-A8C3-FEAEBCE71137}" type="datetimeFigureOut">
               <a:rPr lang="ko-KR" altLang="en-US" smtClean="0"/>
-              <a:t>2025-11-03</a:t>
+              <a:t>2026-02-03</a:t>
             </a:fld>
             <a:endParaRPr lang="ko-KR" altLang="en-US"/>
           </a:p>
@@ -1815,7 +1820,7 @@
           <a:p>
             <a:fld id="{A3BF353C-3DD2-44DF-A8C3-FEAEBCE71137}" type="datetimeFigureOut">
               <a:rPr lang="ko-KR" altLang="en-US" smtClean="0"/>
-              <a:t>2025-11-03</a:t>
+              <a:t>2026-02-03</a:t>
             </a:fld>
             <a:endParaRPr lang="ko-KR" altLang="en-US"/>
           </a:p>
@@ -1956,7 +1961,7 @@
           <a:p>
             <a:fld id="{A3BF353C-3DD2-44DF-A8C3-FEAEBCE71137}" type="datetimeFigureOut">
               <a:rPr lang="ko-KR" altLang="en-US" smtClean="0"/>
-              <a:t>2025-11-03</a:t>
+              <a:t>2026-02-03</a:t>
             </a:fld>
             <a:endParaRPr lang="ko-KR" altLang="en-US"/>
           </a:p>
@@ -2069,7 +2074,7 @@
           <a:p>
             <a:fld id="{A3BF353C-3DD2-44DF-A8C3-FEAEBCE71137}" type="datetimeFigureOut">
               <a:rPr lang="ko-KR" altLang="en-US" smtClean="0"/>
-              <a:t>2025-11-03</a:t>
+              <a:t>2026-02-03</a:t>
             </a:fld>
             <a:endParaRPr lang="ko-KR" altLang="en-US"/>
           </a:p>
@@ -2380,7 +2385,7 @@
           <a:p>
             <a:fld id="{A3BF353C-3DD2-44DF-A8C3-FEAEBCE71137}" type="datetimeFigureOut">
               <a:rPr lang="ko-KR" altLang="en-US" smtClean="0"/>
-              <a:t>2025-11-03</a:t>
+              <a:t>2026-02-03</a:t>
             </a:fld>
             <a:endParaRPr lang="ko-KR" altLang="en-US"/>
           </a:p>
@@ -2668,7 +2673,7 @@
           <a:p>
             <a:fld id="{A3BF353C-3DD2-44DF-A8C3-FEAEBCE71137}" type="datetimeFigureOut">
               <a:rPr lang="ko-KR" altLang="en-US" smtClean="0"/>
-              <a:t>2025-11-03</a:t>
+              <a:t>2026-02-03</a:t>
             </a:fld>
             <a:endParaRPr lang="ko-KR" altLang="en-US"/>
           </a:p>
@@ -2909,7 +2914,7 @@
           <a:p>
             <a:fld id="{A3BF353C-3DD2-44DF-A8C3-FEAEBCE71137}" type="datetimeFigureOut">
               <a:rPr lang="ko-KR" altLang="en-US" smtClean="0"/>
-              <a:t>2025-11-03</a:t>
+              <a:t>2026-02-03</a:t>
             </a:fld>
             <a:endParaRPr lang="ko-KR" altLang="en-US"/>
           </a:p>
@@ -3328,10 +3333,10 @@
       </p:grpSpPr>
       <p:pic>
         <p:nvPicPr>
-          <p:cNvPr id="5" name="그림 4">
-            <a:extLst>
-              <a:ext uri="{FF2B5EF4-FFF2-40B4-BE49-F238E27FC236}">
-                <a16:creationId xmlns:a16="http://schemas.microsoft.com/office/drawing/2014/main" id="{913D0612-AFF0-4032-DDEB-6BCCADC03A15}"/>
+          <p:cNvPr id="3" name="그림 2" descr="도표, 원, 스케치, 그림이(가) 표시된 사진&#10;&#10;AI 생성 콘텐츠는 정확하지 않을 수 있습니다.">
+            <a:extLst>
+              <a:ext uri="{FF2B5EF4-FFF2-40B4-BE49-F238E27FC236}">
+                <a16:creationId xmlns:a16="http://schemas.microsoft.com/office/drawing/2014/main" id="{CF2401F4-46CB-AB50-D410-D1C7A5A947D6}"/>
               </a:ext>
             </a:extLst>
           </p:cNvPr>
@@ -3348,8 +3353,8 @@
         </p:blipFill>
         <p:spPr>
           <a:xfrm>
-            <a:off x="0" y="272941"/>
-            <a:ext cx="12192000" cy="6312117"/>
+            <a:off x="864123" y="0"/>
+            <a:ext cx="10463753" cy="6858000"/>
           </a:xfrm>
           <a:prstGeom prst="rect">
             <a:avLst/>
@@ -3370,8 +3375,8 @@
         </p:nvSpPr>
         <p:spPr>
           <a:xfrm>
-            <a:off x="6731876" y="2207172"/>
-            <a:ext cx="4840014" cy="354724"/>
+            <a:off x="7231372" y="2674720"/>
+            <a:ext cx="4152304" cy="245721"/>
           </a:xfrm>
           <a:prstGeom prst="rect">
             <a:avLst/>
@@ -3447,10 +3452,10 @@
       </p:grpSpPr>
       <p:pic>
         <p:nvPicPr>
-          <p:cNvPr id="3" name="그림 2">
-            <a:extLst>
-              <a:ext uri="{FF2B5EF4-FFF2-40B4-BE49-F238E27FC236}">
-                <a16:creationId xmlns:a16="http://schemas.microsoft.com/office/drawing/2014/main" id="{650DF249-FD7D-DC42-4E53-2680DAF91E16}"/>
+          <p:cNvPr id="5" name="그림 4" descr="도표, 원, 스케치, 그림이(가) 표시된 사진&#10;&#10;AI 생성 콘텐츠는 정확하지 않을 수 있습니다.">
+            <a:extLst>
+              <a:ext uri="{FF2B5EF4-FFF2-40B4-BE49-F238E27FC236}">
+                <a16:creationId xmlns:a16="http://schemas.microsoft.com/office/drawing/2014/main" id="{2604CC18-AD0D-B82F-2141-A749EA9B0F97}"/>
               </a:ext>
             </a:extLst>
           </p:cNvPr>
@@ -3467,8 +3472,8 @@
         </p:blipFill>
         <p:spPr>
           <a:xfrm>
-            <a:off x="0" y="285058"/>
-            <a:ext cx="12192000" cy="6287884"/>
+            <a:off x="733452" y="0"/>
+            <a:ext cx="10725095" cy="6858000"/>
           </a:xfrm>
           <a:prstGeom prst="rect">
             <a:avLst/>
@@ -3477,10 +3482,10 @@
       </p:pic>
       <p:sp>
         <p:nvSpPr>
-          <p:cNvPr id="4" name="직사각형 3">
-            <a:extLst>
-              <a:ext uri="{FF2B5EF4-FFF2-40B4-BE49-F238E27FC236}">
-                <a16:creationId xmlns:a16="http://schemas.microsoft.com/office/drawing/2014/main" id="{763A6885-A478-BE57-9D3C-8B0D9BB8209D}"/>
+          <p:cNvPr id="8" name="직사각형 7">
+            <a:extLst>
+              <a:ext uri="{FF2B5EF4-FFF2-40B4-BE49-F238E27FC236}">
+                <a16:creationId xmlns:a16="http://schemas.microsoft.com/office/drawing/2014/main" id="{CE144096-F184-9D65-2A92-C538F27A72E7}"/>
               </a:ext>
             </a:extLst>
           </p:cNvPr>
@@ -3489,8 +3494,8 @@
         </p:nvSpPr>
         <p:spPr>
           <a:xfrm>
-            <a:off x="6731876" y="3838903"/>
-            <a:ext cx="4840014" cy="354724"/>
+            <a:off x="7231372" y="3652182"/>
+            <a:ext cx="4152304" cy="245721"/>
           </a:xfrm>
           <a:prstGeom prst="rect">
             <a:avLst/>
@@ -3530,10 +3535,10 @@
       </p:sp>
       <p:sp>
         <p:nvSpPr>
-          <p:cNvPr id="6" name="직사각형 5">
-            <a:extLst>
-              <a:ext uri="{FF2B5EF4-FFF2-40B4-BE49-F238E27FC236}">
-                <a16:creationId xmlns:a16="http://schemas.microsoft.com/office/drawing/2014/main" id="{B0D8A1E6-2B7C-5F26-B3BB-7F5CDCBAB828}"/>
+          <p:cNvPr id="9" name="직사각형 8">
+            <a:extLst>
+              <a:ext uri="{FF2B5EF4-FFF2-40B4-BE49-F238E27FC236}">
+                <a16:creationId xmlns:a16="http://schemas.microsoft.com/office/drawing/2014/main" id="{013FA795-D481-DB4F-F169-AB7C51E0642E}"/>
               </a:ext>
             </a:extLst>
           </p:cNvPr>
@@ -3542,8 +3547,8 @@
         </p:nvSpPr>
         <p:spPr>
           <a:xfrm>
-            <a:off x="6731876" y="2183524"/>
-            <a:ext cx="4840014" cy="354724"/>
+            <a:off x="7231372" y="3139804"/>
+            <a:ext cx="4152304" cy="245721"/>
           </a:xfrm>
           <a:prstGeom prst="rect">
             <a:avLst/>
@@ -3583,10 +3588,10 @@
       </p:sp>
       <p:sp>
         <p:nvSpPr>
-          <p:cNvPr id="7" name="직사각형 6">
-            <a:extLst>
-              <a:ext uri="{FF2B5EF4-FFF2-40B4-BE49-F238E27FC236}">
-                <a16:creationId xmlns:a16="http://schemas.microsoft.com/office/drawing/2014/main" id="{14CFC9C3-7052-2EC9-1354-99EA9B47084E}"/>
+          <p:cNvPr id="12" name="직사각형 11">
+            <a:extLst>
+              <a:ext uri="{FF2B5EF4-FFF2-40B4-BE49-F238E27FC236}">
+                <a16:creationId xmlns:a16="http://schemas.microsoft.com/office/drawing/2014/main" id="{5CF0D11C-7390-6ED8-B75A-69A46FF83C96}"/>
               </a:ext>
             </a:extLst>
           </p:cNvPr>
@@ -3595,8 +3600,8 @@
         </p:nvSpPr>
         <p:spPr>
           <a:xfrm>
-            <a:off x="6731876" y="2743199"/>
-            <a:ext cx="4840014" cy="354724"/>
+            <a:off x="7231372" y="2406707"/>
+            <a:ext cx="4152304" cy="245721"/>
           </a:xfrm>
           <a:prstGeom prst="rect">
             <a:avLst/>
@@ -3672,10 +3677,10 @@
       </p:grpSpPr>
       <p:pic>
         <p:nvPicPr>
-          <p:cNvPr id="4" name="그림 3">
-            <a:extLst>
-              <a:ext uri="{FF2B5EF4-FFF2-40B4-BE49-F238E27FC236}">
-                <a16:creationId xmlns:a16="http://schemas.microsoft.com/office/drawing/2014/main" id="{8F788B8F-C025-F92D-447B-F98612B81863}"/>
+          <p:cNvPr id="3" name="그림 2" descr="도표, 원, 텍스트, 스케치이(가) 표시된 사진&#10;&#10;AI 생성 콘텐츠는 정확하지 않을 수 있습니다.">
+            <a:extLst>
+              <a:ext uri="{FF2B5EF4-FFF2-40B4-BE49-F238E27FC236}">
+                <a16:creationId xmlns:a16="http://schemas.microsoft.com/office/drawing/2014/main" id="{0794E9AD-17AA-03E5-4130-6A2DE7531145}"/>
               </a:ext>
             </a:extLst>
           </p:cNvPr>
@@ -3692,8 +3697,8 @@
         </p:blipFill>
         <p:spPr>
           <a:xfrm>
-            <a:off x="0" y="108625"/>
-            <a:ext cx="12192000" cy="6640749"/>
+            <a:off x="849950" y="0"/>
+            <a:ext cx="10492099" cy="6858000"/>
           </a:xfrm>
           <a:prstGeom prst="rect">
             <a:avLst/>
@@ -3702,10 +3707,10 @@
       </p:pic>
       <p:sp>
         <p:nvSpPr>
-          <p:cNvPr id="5" name="직사각형 4">
-            <a:extLst>
-              <a:ext uri="{FF2B5EF4-FFF2-40B4-BE49-F238E27FC236}">
-                <a16:creationId xmlns:a16="http://schemas.microsoft.com/office/drawing/2014/main" id="{737D0C11-A44C-B0BD-D458-845167E35718}"/>
+          <p:cNvPr id="6" name="직사각형 5">
+            <a:extLst>
+              <a:ext uri="{FF2B5EF4-FFF2-40B4-BE49-F238E27FC236}">
+                <a16:creationId xmlns:a16="http://schemas.microsoft.com/office/drawing/2014/main" id="{1C9A80DC-7DF9-4C7A-09E5-7C88C9349EC4}"/>
               </a:ext>
             </a:extLst>
           </p:cNvPr>
@@ -3714,8 +3719,8 @@
         </p:nvSpPr>
         <p:spPr>
           <a:xfrm>
-            <a:off x="7149662" y="2136228"/>
-            <a:ext cx="4840014" cy="354724"/>
+            <a:off x="7231372" y="2666846"/>
+            <a:ext cx="4152304" cy="245721"/>
           </a:xfrm>
           <a:prstGeom prst="rect">
             <a:avLst/>
@@ -3791,10 +3796,10 @@
       </p:grpSpPr>
       <p:pic>
         <p:nvPicPr>
-          <p:cNvPr id="3" name="그림 2">
-            <a:extLst>
-              <a:ext uri="{FF2B5EF4-FFF2-40B4-BE49-F238E27FC236}">
-                <a16:creationId xmlns:a16="http://schemas.microsoft.com/office/drawing/2014/main" id="{16A839F1-5CD1-3649-E2AD-4EB67312CFBA}"/>
+          <p:cNvPr id="4" name="그림 3" descr="도표, 원, 스케치, 디자인이(가) 표시된 사진&#10;&#10;AI 생성 콘텐츠는 정확하지 않을 수 있습니다.">
+            <a:extLst>
+              <a:ext uri="{FF2B5EF4-FFF2-40B4-BE49-F238E27FC236}">
+                <a16:creationId xmlns:a16="http://schemas.microsoft.com/office/drawing/2014/main" id="{FC85CF81-37A4-8DFE-7EAB-760932F80742}"/>
               </a:ext>
             </a:extLst>
           </p:cNvPr>
@@ -3811,8 +3816,8 @@
         </p:blipFill>
         <p:spPr>
           <a:xfrm>
-            <a:off x="0" y="87351"/>
-            <a:ext cx="12192000" cy="6683298"/>
+            <a:off x="718332" y="0"/>
+            <a:ext cx="10755335" cy="6858000"/>
           </a:xfrm>
           <a:prstGeom prst="rect">
             <a:avLst/>
@@ -3821,10 +3826,10 @@
       </p:pic>
       <p:sp>
         <p:nvSpPr>
-          <p:cNvPr id="5" name="직사각형 4">
-            <a:extLst>
-              <a:ext uri="{FF2B5EF4-FFF2-40B4-BE49-F238E27FC236}">
-                <a16:creationId xmlns:a16="http://schemas.microsoft.com/office/drawing/2014/main" id="{EDAB74FF-3CEF-06FE-5D23-E7B4E152541D}"/>
+          <p:cNvPr id="6" name="직사각형 5">
+            <a:extLst>
+              <a:ext uri="{FF2B5EF4-FFF2-40B4-BE49-F238E27FC236}">
+                <a16:creationId xmlns:a16="http://schemas.microsoft.com/office/drawing/2014/main" id="{333D647D-32DF-C6BA-2036-254CF8C49463}"/>
               </a:ext>
             </a:extLst>
           </p:cNvPr>
@@ -3833,8 +3838,8 @@
         </p:nvSpPr>
         <p:spPr>
           <a:xfrm>
-            <a:off x="7149662" y="2112580"/>
-            <a:ext cx="4840014" cy="354724"/>
+            <a:off x="7231372" y="2406710"/>
+            <a:ext cx="4152304" cy="245721"/>
           </a:xfrm>
           <a:prstGeom prst="rect">
             <a:avLst/>
@@ -3910,10 +3915,10 @@
       </p:grpSpPr>
       <p:pic>
         <p:nvPicPr>
-          <p:cNvPr id="4" name="그림 3">
-            <a:extLst>
-              <a:ext uri="{FF2B5EF4-FFF2-40B4-BE49-F238E27FC236}">
-                <a16:creationId xmlns:a16="http://schemas.microsoft.com/office/drawing/2014/main" id="{6F8B3144-2260-1221-479B-4963BC317ECD}"/>
+          <p:cNvPr id="3" name="그림 2" descr="도표, 원, 디자인, 종이접기이(가) 표시된 사진&#10;&#10;AI 생성 콘텐츠는 정확하지 않을 수 있습니다.">
+            <a:extLst>
+              <a:ext uri="{FF2B5EF4-FFF2-40B4-BE49-F238E27FC236}">
+                <a16:creationId xmlns:a16="http://schemas.microsoft.com/office/drawing/2014/main" id="{4FF81AC1-C6C8-6FBD-7CB6-F99472EDB535}"/>
               </a:ext>
             </a:extLst>
           </p:cNvPr>
@@ -3930,8 +3935,8 @@
         </p:blipFill>
         <p:spPr>
           <a:xfrm>
-            <a:off x="0" y="264551"/>
-            <a:ext cx="12192000" cy="6328898"/>
+            <a:off x="761280" y="0"/>
+            <a:ext cx="10669440" cy="6858000"/>
           </a:xfrm>
           <a:prstGeom prst="rect">
             <a:avLst/>
@@ -3940,10 +3945,10 @@
       </p:pic>
       <p:sp>
         <p:nvSpPr>
-          <p:cNvPr id="5" name="직사각형 4">
-            <a:extLst>
-              <a:ext uri="{FF2B5EF4-FFF2-40B4-BE49-F238E27FC236}">
-                <a16:creationId xmlns:a16="http://schemas.microsoft.com/office/drawing/2014/main" id="{9AE4048A-D1B7-21E2-8AC6-E5C225DBD063}"/>
+          <p:cNvPr id="6" name="직사각형 5">
+            <a:extLst>
+              <a:ext uri="{FF2B5EF4-FFF2-40B4-BE49-F238E27FC236}">
+                <a16:creationId xmlns:a16="http://schemas.microsoft.com/office/drawing/2014/main" id="{8544DD11-1F73-1C04-1821-DE94AEDD1F65}"/>
               </a:ext>
             </a:extLst>
           </p:cNvPr>
@@ -3952,8 +3957,8 @@
         </p:nvSpPr>
         <p:spPr>
           <a:xfrm>
-            <a:off x="6810703" y="2151993"/>
-            <a:ext cx="4840014" cy="354724"/>
+            <a:off x="7231372" y="2414593"/>
+            <a:ext cx="4152304" cy="245721"/>
           </a:xfrm>
           <a:prstGeom prst="rect">
             <a:avLst/>
@@ -4029,10 +4034,10 @@
       </p:grpSpPr>
       <p:pic>
         <p:nvPicPr>
-          <p:cNvPr id="3" name="그림 2">
-            <a:extLst>
-              <a:ext uri="{FF2B5EF4-FFF2-40B4-BE49-F238E27FC236}">
-                <a16:creationId xmlns:a16="http://schemas.microsoft.com/office/drawing/2014/main" id="{83C797C4-D15D-5A4E-C2C1-C0B32BD0EE99}"/>
+          <p:cNvPr id="4" name="그림 3" descr="도표, 스케치, 디자인, 종이접기이(가) 표시된 사진&#10;&#10;AI 생성 콘텐츠는 정확하지 않을 수 있습니다.">
+            <a:extLst>
+              <a:ext uri="{FF2B5EF4-FFF2-40B4-BE49-F238E27FC236}">
+                <a16:creationId xmlns:a16="http://schemas.microsoft.com/office/drawing/2014/main" id="{D82F389B-DE00-4C0F-3D9C-D4195C191639}"/>
               </a:ext>
             </a:extLst>
           </p:cNvPr>
@@ -4049,8 +4054,8 @@
         </p:blipFill>
         <p:spPr>
           <a:xfrm>
-            <a:off x="0" y="153095"/>
-            <a:ext cx="12192000" cy="6551810"/>
+            <a:off x="905050" y="0"/>
+            <a:ext cx="10381899" cy="6858000"/>
           </a:xfrm>
           <a:prstGeom prst="rect">
             <a:avLst/>
@@ -4059,10 +4064,10 @@
       </p:pic>
       <p:sp>
         <p:nvSpPr>
-          <p:cNvPr id="5" name="직사각형 4">
-            <a:extLst>
-              <a:ext uri="{FF2B5EF4-FFF2-40B4-BE49-F238E27FC236}">
-                <a16:creationId xmlns:a16="http://schemas.microsoft.com/office/drawing/2014/main" id="{1EFB53D9-DCF3-E8FE-2CCD-49DB8FE79329}"/>
+          <p:cNvPr id="7" name="직사각형 6">
+            <a:extLst>
+              <a:ext uri="{FF2B5EF4-FFF2-40B4-BE49-F238E27FC236}">
+                <a16:creationId xmlns:a16="http://schemas.microsoft.com/office/drawing/2014/main" id="{A791BBAE-18E2-F51D-A93B-B7DB67C60525}"/>
               </a:ext>
             </a:extLst>
           </p:cNvPr>
@@ -4071,114 +4076,8 @@
         </p:nvSpPr>
         <p:spPr>
           <a:xfrm>
-            <a:off x="7015655" y="2112580"/>
-            <a:ext cx="4840014" cy="354724"/>
-          </a:xfrm>
-          <a:prstGeom prst="rect">
-            <a:avLst/>
-          </a:prstGeom>
-          <a:noFill/>
-          <a:ln w="38100">
-            <a:solidFill>
-              <a:srgbClr val="C00000"/>
-            </a:solidFill>
-            <a:prstDash val="sysDash"/>
-          </a:ln>
-        </p:spPr>
-        <p:style>
-          <a:lnRef idx="2">
-            <a:schemeClr val="accent1">
-              <a:shade val="15000"/>
-            </a:schemeClr>
-          </a:lnRef>
-          <a:fillRef idx="1">
-            <a:schemeClr val="accent1"/>
-          </a:fillRef>
-          <a:effectRef idx="0">
-            <a:schemeClr val="accent1"/>
-          </a:effectRef>
-          <a:fontRef idx="minor">
-            <a:schemeClr val="lt1"/>
-          </a:fontRef>
-        </p:style>
-        <p:txBody>
-          <a:bodyPr rtlCol="0" anchor="ctr"/>
-          <a:lstStyle/>
-          <a:p>
-            <a:pPr algn="ctr"/>
-            <a:endParaRPr lang="ko-KR" altLang="en-US"/>
-          </a:p>
-        </p:txBody>
-      </p:sp>
-      <p:sp>
-        <p:nvSpPr>
-          <p:cNvPr id="6" name="직사각형 5">
-            <a:extLst>
-              <a:ext uri="{FF2B5EF4-FFF2-40B4-BE49-F238E27FC236}">
-                <a16:creationId xmlns:a16="http://schemas.microsoft.com/office/drawing/2014/main" id="{8B22F98F-2EB9-E420-11B9-0533EB87AAD9}"/>
-              </a:ext>
-            </a:extLst>
-          </p:cNvPr>
-          <p:cNvSpPr/>
-          <p:nvPr/>
-        </p:nvSpPr>
-        <p:spPr>
-          <a:xfrm>
-            <a:off x="7015655" y="2467304"/>
-            <a:ext cx="4840014" cy="354724"/>
-          </a:xfrm>
-          <a:prstGeom prst="rect">
-            <a:avLst/>
-          </a:prstGeom>
-          <a:noFill/>
-          <a:ln w="38100">
-            <a:solidFill>
-              <a:srgbClr val="C00000"/>
-            </a:solidFill>
-            <a:prstDash val="sysDash"/>
-          </a:ln>
-        </p:spPr>
-        <p:style>
-          <a:lnRef idx="2">
-            <a:schemeClr val="accent1">
-              <a:shade val="15000"/>
-            </a:schemeClr>
-          </a:lnRef>
-          <a:fillRef idx="1">
-            <a:schemeClr val="accent1"/>
-          </a:fillRef>
-          <a:effectRef idx="0">
-            <a:schemeClr val="accent1"/>
-          </a:effectRef>
-          <a:fontRef idx="minor">
-            <a:schemeClr val="lt1"/>
-          </a:fontRef>
-        </p:style>
-        <p:txBody>
-          <a:bodyPr rtlCol="0" anchor="ctr"/>
-          <a:lstStyle/>
-          <a:p>
-            <a:pPr algn="ctr"/>
-            <a:endParaRPr lang="ko-KR" altLang="en-US"/>
-          </a:p>
-        </p:txBody>
-      </p:sp>
-      <p:sp>
-        <p:nvSpPr>
-          <p:cNvPr id="9" name="직사각형 8">
-            <a:extLst>
-              <a:ext uri="{FF2B5EF4-FFF2-40B4-BE49-F238E27FC236}">
-                <a16:creationId xmlns:a16="http://schemas.microsoft.com/office/drawing/2014/main" id="{54F5AD09-B14E-F40D-65DD-17F68C7254B0}"/>
-              </a:ext>
-            </a:extLst>
-          </p:cNvPr>
-          <p:cNvSpPr/>
-          <p:nvPr/>
-        </p:nvSpPr>
-        <p:spPr>
-          <a:xfrm>
-            <a:off x="7015655" y="3858611"/>
-            <a:ext cx="4840014" cy="354724"/>
+            <a:off x="7231372" y="2414593"/>
+            <a:ext cx="4152304" cy="245721"/>
           </a:xfrm>
           <a:prstGeom prst="rect">
             <a:avLst/>
